--- a/Meetings/Lab meetings/February_5th_2024.pptx
+++ b/Meetings/Lab meetings/February_5th_2024.pptx
@@ -5,18 +5,22 @@
     <p:sldMasterId id="2147483648" r:id="rId1"/>
   </p:sldMasterIdLst>
   <p:sldIdLst>
-    <p:sldId id="257" r:id="rId2"/>
-    <p:sldId id="258" r:id="rId3"/>
-    <p:sldId id="259" r:id="rId4"/>
-    <p:sldId id="260" r:id="rId5"/>
-    <p:sldId id="261" r:id="rId6"/>
-    <p:sldId id="263" r:id="rId7"/>
-    <p:sldId id="265" r:id="rId8"/>
-    <p:sldId id="268" r:id="rId9"/>
-    <p:sldId id="267" r:id="rId10"/>
-    <p:sldId id="264" r:id="rId11"/>
-    <p:sldId id="266" r:id="rId12"/>
-    <p:sldId id="269" r:id="rId13"/>
+    <p:sldId id="281" r:id="rId2"/>
+    <p:sldId id="257" r:id="rId3"/>
+    <p:sldId id="258" r:id="rId4"/>
+    <p:sldId id="259" r:id="rId5"/>
+    <p:sldId id="260" r:id="rId6"/>
+    <p:sldId id="261" r:id="rId7"/>
+    <p:sldId id="263" r:id="rId8"/>
+    <p:sldId id="265" r:id="rId9"/>
+    <p:sldId id="268" r:id="rId10"/>
+    <p:sldId id="267" r:id="rId11"/>
+    <p:sldId id="264" r:id="rId12"/>
+    <p:sldId id="266" r:id="rId13"/>
+    <p:sldId id="280" r:id="rId14"/>
+    <p:sldId id="277" r:id="rId15"/>
+    <p:sldId id="278" r:id="rId16"/>
+    <p:sldId id="279" r:id="rId17"/>
   </p:sldIdLst>
   <p:sldSz cx="12192000" cy="6858000"/>
   <p:notesSz cx="6858000" cy="9144000"/>
@@ -115,6 +119,11 @@
       </a:defRPr>
     </a:lvl9pPr>
   </p:defaultTextStyle>
+  <p:extLst>
+    <p:ext uri="{EFAFB233-063F-42B5-8137-9DF3F51BA10A}">
+      <p15:sldGuideLst xmlns:p15="http://schemas.microsoft.com/office/powerpoint/2012/main"/>
+    </p:ext>
+  </p:extLst>
 </p:presentation>
 </file>
 
@@ -3337,15 +3346,15 @@
           <p:cNvPr id="2" name="Title 1">
             <a:extLst>
               <a:ext uri="{FF2B5EF4-FFF2-40B4-BE49-F238E27FC236}">
-                <a16:creationId xmlns:a16="http://schemas.microsoft.com/office/drawing/2014/main" id="{352591A0-DACB-0B26-2FA6-621FAAD4017F}"/>
-              </a:ext>
-            </a:extLst>
-          </p:cNvPr>
-          <p:cNvSpPr>
-            <a:spLocks noGrp="1"/>
-          </p:cNvSpPr>
-          <p:nvPr>
-            <p:ph type="ctrTitle"/>
+                <a16:creationId xmlns:a16="http://schemas.microsoft.com/office/drawing/2014/main" id="{DFDF03E1-52E7-B1A1-0A71-22532D781231}"/>
+              </a:ext>
+            </a:extLst>
+          </p:cNvPr>
+          <p:cNvSpPr>
+            <a:spLocks noGrp="1"/>
+          </p:cNvSpPr>
+          <p:nvPr>
+            <p:ph type="title"/>
           </p:nvPr>
         </p:nvSpPr>
         <p:spPr/>
@@ -3359,18 +3368,18 @@
       </p:sp>
       <p:sp>
         <p:nvSpPr>
-          <p:cNvPr id="3" name="Subtitle 2">
-            <a:extLst>
-              <a:ext uri="{FF2B5EF4-FFF2-40B4-BE49-F238E27FC236}">
-                <a16:creationId xmlns:a16="http://schemas.microsoft.com/office/drawing/2014/main" id="{F7C148C2-22CF-ECE1-FD5D-FA6BB3F1F1F7}"/>
-              </a:ext>
-            </a:extLst>
-          </p:cNvPr>
-          <p:cNvSpPr>
-            <a:spLocks noGrp="1"/>
-          </p:cNvSpPr>
-          <p:nvPr>
-            <p:ph type="subTitle" idx="1"/>
+          <p:cNvPr id="12" name="Content Placeholder 11">
+            <a:extLst>
+              <a:ext uri="{FF2B5EF4-FFF2-40B4-BE49-F238E27FC236}">
+                <a16:creationId xmlns:a16="http://schemas.microsoft.com/office/drawing/2014/main" id="{8ABAB724-A2B6-4DFC-7B6E-23847F70535D}"/>
+              </a:ext>
+            </a:extLst>
+          </p:cNvPr>
+          <p:cNvSpPr>
+            <a:spLocks noGrp="1"/>
+          </p:cNvSpPr>
+          <p:nvPr>
+            <p:ph idx="1"/>
           </p:nvPr>
         </p:nvSpPr>
         <p:spPr/>
@@ -3384,15 +3393,15 @@
       </p:sp>
       <p:pic>
         <p:nvPicPr>
-          <p:cNvPr id="4" name="Content Placeholder 4">
-            <a:extLst>
-              <a:ext uri="{FF2B5EF4-FFF2-40B4-BE49-F238E27FC236}">
-                <a16:creationId xmlns:a16="http://schemas.microsoft.com/office/drawing/2014/main" id="{FD9EDFAD-88B3-DCE0-430B-FBB7AA43DFE6}"/>
+          <p:cNvPr id="1026" name="Picture 2">
+            <a:extLst>
+              <a:ext uri="{FF2B5EF4-FFF2-40B4-BE49-F238E27FC236}">
+                <a16:creationId xmlns:a16="http://schemas.microsoft.com/office/drawing/2014/main" id="{A39782CE-6BA3-B3C7-4BB4-9DE15083EE95}"/>
               </a:ext>
             </a:extLst>
           </p:cNvPr>
           <p:cNvPicPr>
-            <a:picLocks noChangeAspect="1"/>
+            <a:picLocks noChangeAspect="1" noChangeArrowheads="1"/>
           </p:cNvPicPr>
           <p:nvPr/>
         </p:nvPicPr>
@@ -3404,24 +3413,35 @@
               </a:ext>
             </a:extLst>
           </a:blip>
+          <a:srcRect/>
           <a:stretch>
             <a:fillRect/>
           </a:stretch>
         </p:blipFill>
-        <p:spPr>
+        <p:spPr bwMode="auto">
           <a:xfrm>
-            <a:off x="2538740" y="771184"/>
-            <a:ext cx="7114519" cy="5315631"/>
+            <a:off x="2788024" y="681037"/>
+            <a:ext cx="6092825" cy="5486972"/>
           </a:xfrm>
           <a:prstGeom prst="rect">
             <a:avLst/>
           </a:prstGeom>
+          <a:noFill/>
+          <a:extLst>
+            <a:ext uri="{909E8E84-426E-40DD-AFC4-6F175D3DCCD1}">
+              <a14:hiddenFill xmlns:a14="http://schemas.microsoft.com/office/drawing/2010/main">
+                <a:solidFill>
+                  <a:srgbClr val="FFFFFF"/>
+                </a:solidFill>
+              </a14:hiddenFill>
+            </a:ext>
+          </a:extLst>
         </p:spPr>
       </p:pic>
     </p:spTree>
     <p:extLst>
       <p:ext uri="{BB962C8B-B14F-4D97-AF65-F5344CB8AC3E}">
-        <p14:creationId xmlns:p14="http://schemas.microsoft.com/office/powerpoint/2010/main" val="2729668989"/>
+        <p14:creationId xmlns:p14="http://schemas.microsoft.com/office/powerpoint/2010/main" val="1506600824"/>
       </p:ext>
     </p:extLst>
   </p:cSld>
@@ -3432,6 +3452,116 @@
 </file>
 
 <file path=ppt/slides/slide10.xml><?xml version="1.0" encoding="utf-8"?>
+<p:sld xmlns:a="http://schemas.openxmlformats.org/drawingml/2006/main" xmlns:r="http://schemas.openxmlformats.org/officeDocument/2006/relationships" xmlns:p="http://schemas.openxmlformats.org/presentationml/2006/main">
+  <p:cSld>
+    <p:spTree>
+      <p:nvGrpSpPr>
+        <p:cNvPr id="1" name=""/>
+        <p:cNvGrpSpPr/>
+        <p:nvPr/>
+      </p:nvGrpSpPr>
+      <p:grpSpPr>
+        <a:xfrm>
+          <a:off x="0" y="0"/>
+          <a:ext cx="0" cy="0"/>
+          <a:chOff x="0" y="0"/>
+          <a:chExt cx="0" cy="0"/>
+        </a:xfrm>
+      </p:grpSpPr>
+      <p:sp>
+        <p:nvSpPr>
+          <p:cNvPr id="2" name="Title 1">
+            <a:extLst>
+              <a:ext uri="{FF2B5EF4-FFF2-40B4-BE49-F238E27FC236}">
+                <a16:creationId xmlns:a16="http://schemas.microsoft.com/office/drawing/2014/main" id="{57CDC388-EDCA-C4E4-4622-EDB55B41A1B7}"/>
+              </a:ext>
+            </a:extLst>
+          </p:cNvPr>
+          <p:cNvSpPr>
+            <a:spLocks noGrp="1"/>
+          </p:cNvSpPr>
+          <p:nvPr>
+            <p:ph type="title"/>
+          </p:nvPr>
+        </p:nvSpPr>
+        <p:spPr/>
+        <p:txBody>
+          <a:bodyPr/>
+          <a:lstStyle/>
+          <a:p>
+            <a:endParaRPr lang="en-US"/>
+          </a:p>
+        </p:txBody>
+      </p:sp>
+      <p:sp>
+        <p:nvSpPr>
+          <p:cNvPr id="3" name="Content Placeholder 2">
+            <a:extLst>
+              <a:ext uri="{FF2B5EF4-FFF2-40B4-BE49-F238E27FC236}">
+                <a16:creationId xmlns:a16="http://schemas.microsoft.com/office/drawing/2014/main" id="{4F4321FD-3150-A12F-58A0-97ADD4179621}"/>
+              </a:ext>
+            </a:extLst>
+          </p:cNvPr>
+          <p:cNvSpPr>
+            <a:spLocks noGrp="1"/>
+          </p:cNvSpPr>
+          <p:nvPr>
+            <p:ph idx="1"/>
+          </p:nvPr>
+        </p:nvSpPr>
+        <p:spPr/>
+        <p:txBody>
+          <a:bodyPr/>
+          <a:lstStyle/>
+          <a:p>
+            <a:endParaRPr lang="en-US"/>
+          </a:p>
+        </p:txBody>
+      </p:sp>
+      <p:pic>
+        <p:nvPicPr>
+          <p:cNvPr id="5" name="Picture 4">
+            <a:extLst>
+              <a:ext uri="{FF2B5EF4-FFF2-40B4-BE49-F238E27FC236}">
+                <a16:creationId xmlns:a16="http://schemas.microsoft.com/office/drawing/2014/main" id="{88E5FD85-DF0D-C80C-CDE7-2DC54B16FD1E}"/>
+              </a:ext>
+            </a:extLst>
+          </p:cNvPr>
+          <p:cNvPicPr>
+            <a:picLocks noChangeAspect="1"/>
+          </p:cNvPicPr>
+          <p:nvPr/>
+        </p:nvPicPr>
+        <p:blipFill>
+          <a:blip r:embed="rId2"/>
+          <a:stretch>
+            <a:fillRect/>
+          </a:stretch>
+        </p:blipFill>
+        <p:spPr>
+          <a:xfrm>
+            <a:off x="127999" y="0"/>
+            <a:ext cx="11936002" cy="6858000"/>
+          </a:xfrm>
+          <a:prstGeom prst="rect">
+            <a:avLst/>
+          </a:prstGeom>
+        </p:spPr>
+      </p:pic>
+    </p:spTree>
+    <p:extLst>
+      <p:ext uri="{BB962C8B-B14F-4D97-AF65-F5344CB8AC3E}">
+        <p14:creationId xmlns:p14="http://schemas.microsoft.com/office/powerpoint/2010/main" val="369881152"/>
+      </p:ext>
+    </p:extLst>
+  </p:cSld>
+  <p:clrMapOvr>
+    <a:masterClrMapping/>
+  </p:clrMapOvr>
+</p:sld>
+</file>
+
+<file path=ppt/slides/slide11.xml><?xml version="1.0" encoding="utf-8"?>
 <p:sld xmlns:a="http://schemas.openxmlformats.org/drawingml/2006/main" xmlns:r="http://schemas.openxmlformats.org/officeDocument/2006/relationships" xmlns:p="http://schemas.openxmlformats.org/presentationml/2006/main">
   <p:cSld>
     <p:spTree>
@@ -3541,7 +3671,7 @@
 </p:sld>
 </file>
 
-<file path=ppt/slides/slide11.xml><?xml version="1.0" encoding="utf-8"?>
+<file path=ppt/slides/slide12.xml><?xml version="1.0" encoding="utf-8"?>
 <p:sld xmlns:a="http://schemas.openxmlformats.org/drawingml/2006/main" xmlns:r="http://schemas.openxmlformats.org/officeDocument/2006/relationships" xmlns:p="http://schemas.openxmlformats.org/presentationml/2006/main">
   <p:cSld>
     <p:spTree>
@@ -3651,7 +3781,7 @@
 </p:sld>
 </file>
 
-<file path=ppt/slides/slide12.xml><?xml version="1.0" encoding="utf-8"?>
+<file path=ppt/slides/slide13.xml><?xml version="1.0" encoding="utf-8"?>
 <p:sld xmlns:a="http://schemas.openxmlformats.org/drawingml/2006/main" xmlns:r="http://schemas.openxmlformats.org/officeDocument/2006/relationships" xmlns:p="http://schemas.openxmlformats.org/presentationml/2006/main">
   <p:cSld>
     <p:spTree>
@@ -3673,7 +3803,7 @@
           <p:cNvPr id="2" name="Title 1">
             <a:extLst>
               <a:ext uri="{FF2B5EF4-FFF2-40B4-BE49-F238E27FC236}">
-                <a16:creationId xmlns:a16="http://schemas.microsoft.com/office/drawing/2014/main" id="{607E33AA-D5CD-7F0A-C113-1B989E1B8DB4}"/>
+                <a16:creationId xmlns:a16="http://schemas.microsoft.com/office/drawing/2014/main" id="{06C935C6-2F33-5128-CE49-E398A6AB6820}"/>
               </a:ext>
             </a:extLst>
           </p:cNvPr>
@@ -3684,6 +3814,39 @@
             <p:ph type="title"/>
           </p:nvPr>
         </p:nvSpPr>
+        <p:spPr>
+          <a:xfrm>
+            <a:off x="748553" y="219958"/>
+            <a:ext cx="10515600" cy="1325563"/>
+          </a:xfrm>
+        </p:spPr>
+        <p:txBody>
+          <a:bodyPr/>
+          <a:lstStyle/>
+          <a:p>
+            <a:r>
+              <a:rPr lang="en-US" dirty="0"/>
+              <a:t>This neuron doesn’t exist in vivo; but there are only 2 of them out of 300</a:t>
+            </a:r>
+          </a:p>
+        </p:txBody>
+      </p:sp>
+      <p:sp>
+        <p:nvSpPr>
+          <p:cNvPr id="3" name="Content Placeholder 2">
+            <a:extLst>
+              <a:ext uri="{FF2B5EF4-FFF2-40B4-BE49-F238E27FC236}">
+                <a16:creationId xmlns:a16="http://schemas.microsoft.com/office/drawing/2014/main" id="{771070B6-47BE-D110-9297-B3BE7FFD5208}"/>
+              </a:ext>
+            </a:extLst>
+          </p:cNvPr>
+          <p:cNvSpPr>
+            <a:spLocks noGrp="1"/>
+          </p:cNvSpPr>
+          <p:nvPr>
+            <p:ph idx="1"/>
+          </p:nvPr>
+        </p:nvSpPr>
         <p:spPr/>
         <p:txBody>
           <a:bodyPr/>
@@ -3693,35 +3856,588 @@
           </a:p>
         </p:txBody>
       </p:sp>
-      <p:sp>
-        <p:nvSpPr>
-          <p:cNvPr id="3" name="Content Placeholder 2">
-            <a:extLst>
-              <a:ext uri="{FF2B5EF4-FFF2-40B4-BE49-F238E27FC236}">
-                <a16:creationId xmlns:a16="http://schemas.microsoft.com/office/drawing/2014/main" id="{50FE95F6-56E1-9049-D807-0230E926741B}"/>
-              </a:ext>
-            </a:extLst>
-          </p:cNvPr>
-          <p:cNvSpPr>
-            <a:spLocks noGrp="1"/>
-          </p:cNvSpPr>
-          <p:nvPr>
-            <p:ph idx="1"/>
-          </p:nvPr>
-        </p:nvSpPr>
-        <p:spPr/>
-        <p:txBody>
-          <a:bodyPr/>
-          <a:lstStyle/>
-          <a:p>
-            <a:endParaRPr lang="en-US"/>
-          </a:p>
-        </p:txBody>
-      </p:sp>
+      <p:pic>
+        <p:nvPicPr>
+          <p:cNvPr id="6" name="Picture 5">
+            <a:extLst>
+              <a:ext uri="{FF2B5EF4-FFF2-40B4-BE49-F238E27FC236}">
+                <a16:creationId xmlns:a16="http://schemas.microsoft.com/office/drawing/2014/main" id="{7DA42F36-4E7C-7511-96CA-2716FD3B572D}"/>
+              </a:ext>
+            </a:extLst>
+          </p:cNvPr>
+          <p:cNvPicPr>
+            <a:picLocks noChangeAspect="1"/>
+          </p:cNvPicPr>
+          <p:nvPr/>
+        </p:nvPicPr>
+        <p:blipFill>
+          <a:blip r:embed="rId2"/>
+          <a:stretch>
+            <a:fillRect/>
+          </a:stretch>
+        </p:blipFill>
+        <p:spPr>
+          <a:xfrm>
+            <a:off x="927847" y="1545521"/>
+            <a:ext cx="9121930" cy="5273497"/>
+          </a:xfrm>
+          <a:prstGeom prst="rect">
+            <a:avLst/>
+          </a:prstGeom>
+        </p:spPr>
+      </p:pic>
     </p:spTree>
     <p:extLst>
       <p:ext uri="{BB962C8B-B14F-4D97-AF65-F5344CB8AC3E}">
-        <p14:creationId xmlns:p14="http://schemas.microsoft.com/office/powerpoint/2010/main" val="3302436161"/>
+        <p14:creationId xmlns:p14="http://schemas.microsoft.com/office/powerpoint/2010/main" val="1815417022"/>
+      </p:ext>
+    </p:extLst>
+  </p:cSld>
+  <p:clrMapOvr>
+    <a:masterClrMapping/>
+  </p:clrMapOvr>
+</p:sld>
+</file>
+
+<file path=ppt/slides/slide14.xml><?xml version="1.0" encoding="utf-8"?>
+<p:sld xmlns:a="http://schemas.openxmlformats.org/drawingml/2006/main" xmlns:r="http://schemas.openxmlformats.org/officeDocument/2006/relationships" xmlns:p="http://schemas.openxmlformats.org/presentationml/2006/main">
+  <p:cSld>
+    <p:spTree>
+      <p:nvGrpSpPr>
+        <p:cNvPr id="1" name=""/>
+        <p:cNvGrpSpPr/>
+        <p:nvPr/>
+      </p:nvGrpSpPr>
+      <p:grpSpPr>
+        <a:xfrm>
+          <a:off x="0" y="0"/>
+          <a:ext cx="0" cy="0"/>
+          <a:chOff x="0" y="0"/>
+          <a:chExt cx="0" cy="0"/>
+        </a:xfrm>
+      </p:grpSpPr>
+      <p:sp>
+        <p:nvSpPr>
+          <p:cNvPr id="2" name="Title 1">
+            <a:extLst>
+              <a:ext uri="{FF2B5EF4-FFF2-40B4-BE49-F238E27FC236}">
+                <a16:creationId xmlns:a16="http://schemas.microsoft.com/office/drawing/2014/main" id="{2079C537-F4C8-0FAB-3A5F-9FEEFC0E62F8}"/>
+              </a:ext>
+            </a:extLst>
+          </p:cNvPr>
+          <p:cNvSpPr>
+            <a:spLocks noGrp="1"/>
+          </p:cNvSpPr>
+          <p:nvPr>
+            <p:ph type="title"/>
+          </p:nvPr>
+        </p:nvSpPr>
+        <p:spPr/>
+        <p:txBody>
+          <a:bodyPr/>
+          <a:lstStyle/>
+          <a:p>
+            <a:r>
+              <a:rPr lang="en-US" dirty="0"/>
+              <a:t>Classifying populations based on their first 3 PCs - Control</a:t>
+            </a:r>
+          </a:p>
+        </p:txBody>
+      </p:sp>
+      <p:pic>
+        <p:nvPicPr>
+          <p:cNvPr id="4" name="test">
+            <a:hlinkClick r:id="" action="ppaction://media"/>
+            <a:extLst>
+              <a:ext uri="{FF2B5EF4-FFF2-40B4-BE49-F238E27FC236}">
+                <a16:creationId xmlns:a16="http://schemas.microsoft.com/office/drawing/2014/main" id="{2ECA637D-74D0-AD11-0859-FF312BB572C4}"/>
+              </a:ext>
+            </a:extLst>
+          </p:cNvPr>
+          <p:cNvPicPr>
+            <a:picLocks noGrp="1" noChangeAspect="1"/>
+          </p:cNvPicPr>
+          <p:nvPr>
+            <p:ph idx="1"/>
+            <a:videoFile r:link="rId2"/>
+            <p:extLst>
+              <p:ext uri="{DAA4B4D4-6D71-4841-9C94-3DE7FCFB9230}">
+                <p14:media xmlns:p14="http://schemas.microsoft.com/office/powerpoint/2010/main" r:embed="rId1"/>
+              </p:ext>
+            </p:extLst>
+          </p:nvPr>
+        </p:nvPicPr>
+        <p:blipFill>
+          <a:blip r:embed="rId4"/>
+          <a:stretch>
+            <a:fillRect/>
+          </a:stretch>
+        </p:blipFill>
+        <p:spPr>
+          <a:xfrm>
+            <a:off x="2487426" y="1565648"/>
+            <a:ext cx="5802312" cy="4351338"/>
+          </a:xfrm>
+        </p:spPr>
+      </p:pic>
+    </p:spTree>
+    <p:extLst>
+      <p:ext uri="{BB962C8B-B14F-4D97-AF65-F5344CB8AC3E}">
+        <p14:creationId xmlns:p14="http://schemas.microsoft.com/office/powerpoint/2010/main" val="76361161"/>
+      </p:ext>
+    </p:extLst>
+  </p:cSld>
+  <p:clrMapOvr>
+    <a:masterClrMapping/>
+  </p:clrMapOvr>
+  <p:timing>
+    <p:tnLst>
+      <p:par>
+        <p:cTn id="1" dur="indefinite" restart="never" nodeType="tmRoot">
+          <p:childTnLst>
+            <p:seq concurrent="1" nextAc="seek">
+              <p:cTn id="2" dur="indefinite" nodeType="mainSeq">
+                <p:childTnLst>
+                  <p:par>
+                    <p:cTn id="3" fill="hold">
+                      <p:stCondLst>
+                        <p:cond delay="indefinite"/>
+                      </p:stCondLst>
+                      <p:childTnLst>
+                        <p:par>
+                          <p:cTn id="4" fill="hold">
+                            <p:stCondLst>
+                              <p:cond delay="0"/>
+                            </p:stCondLst>
+                            <p:childTnLst>
+                              <p:par>
+                                <p:cTn id="5" presetID="1" presetClass="mediacall" presetSubtype="0" fill="hold" nodeType="clickEffect">
+                                  <p:stCondLst>
+                                    <p:cond delay="0"/>
+                                  </p:stCondLst>
+                                  <p:childTnLst>
+                                    <p:cmd type="call" cmd="playFrom(0.0)">
+                                      <p:cBhvr>
+                                        <p:cTn id="6" dur="4000" fill="hold"/>
+                                        <p:tgtEl>
+                                          <p:spTgt spid="4"/>
+                                        </p:tgtEl>
+                                      </p:cBhvr>
+                                    </p:cmd>
+                                  </p:childTnLst>
+                                </p:cTn>
+                              </p:par>
+                            </p:childTnLst>
+                          </p:cTn>
+                        </p:par>
+                      </p:childTnLst>
+                    </p:cTn>
+                  </p:par>
+                </p:childTnLst>
+              </p:cTn>
+              <p:prevCondLst>
+                <p:cond evt="onPrev" delay="0">
+                  <p:tgtEl>
+                    <p:sldTgt/>
+                  </p:tgtEl>
+                </p:cond>
+              </p:prevCondLst>
+              <p:nextCondLst>
+                <p:cond evt="onNext" delay="0">
+                  <p:tgtEl>
+                    <p:sldTgt/>
+                  </p:tgtEl>
+                </p:cond>
+              </p:nextCondLst>
+            </p:seq>
+            <p:video>
+              <p:cMediaNode vol="80000">
+                <p:cTn id="7" fill="hold" display="0">
+                  <p:stCondLst>
+                    <p:cond delay="indefinite"/>
+                  </p:stCondLst>
+                </p:cTn>
+                <p:tgtEl>
+                  <p:spTgt spid="4"/>
+                </p:tgtEl>
+              </p:cMediaNode>
+            </p:video>
+            <p:seq concurrent="1" nextAc="seek">
+              <p:cTn id="8" restart="whenNotActive" fill="hold" evtFilter="cancelBubble" nodeType="interactiveSeq">
+                <p:stCondLst>
+                  <p:cond evt="onClick" delay="0">
+                    <p:tgtEl>
+                      <p:spTgt spid="4"/>
+                    </p:tgtEl>
+                  </p:cond>
+                </p:stCondLst>
+                <p:endSync evt="end" delay="0">
+                  <p:rtn val="all"/>
+                </p:endSync>
+                <p:childTnLst>
+                  <p:par>
+                    <p:cTn id="9" fill="hold">
+                      <p:stCondLst>
+                        <p:cond delay="0"/>
+                      </p:stCondLst>
+                      <p:childTnLst>
+                        <p:par>
+                          <p:cTn id="10" fill="hold">
+                            <p:stCondLst>
+                              <p:cond delay="0"/>
+                            </p:stCondLst>
+                            <p:childTnLst>
+                              <p:par>
+                                <p:cTn id="11" presetID="2" presetClass="mediacall" presetSubtype="0" fill="hold" nodeType="clickEffect">
+                                  <p:stCondLst>
+                                    <p:cond delay="0"/>
+                                  </p:stCondLst>
+                                  <p:childTnLst>
+                                    <p:cmd type="call" cmd="togglePause">
+                                      <p:cBhvr>
+                                        <p:cTn id="12" dur="1" fill="hold"/>
+                                        <p:tgtEl>
+                                          <p:spTgt spid="4"/>
+                                        </p:tgtEl>
+                                      </p:cBhvr>
+                                    </p:cmd>
+                                  </p:childTnLst>
+                                </p:cTn>
+                              </p:par>
+                            </p:childTnLst>
+                          </p:cTn>
+                        </p:par>
+                      </p:childTnLst>
+                    </p:cTn>
+                  </p:par>
+                </p:childTnLst>
+              </p:cTn>
+              <p:nextCondLst>
+                <p:cond evt="onClick" delay="0">
+                  <p:tgtEl>
+                    <p:spTgt spid="4"/>
+                  </p:tgtEl>
+                </p:cond>
+              </p:nextCondLst>
+            </p:seq>
+          </p:childTnLst>
+        </p:cTn>
+      </p:par>
+    </p:tnLst>
+  </p:timing>
+</p:sld>
+</file>
+
+<file path=ppt/slides/slide15.xml><?xml version="1.0" encoding="utf-8"?>
+<p:sld xmlns:a="http://schemas.openxmlformats.org/drawingml/2006/main" xmlns:r="http://schemas.openxmlformats.org/officeDocument/2006/relationships" xmlns:p="http://schemas.openxmlformats.org/presentationml/2006/main">
+  <p:cSld>
+    <p:spTree>
+      <p:nvGrpSpPr>
+        <p:cNvPr id="1" name=""/>
+        <p:cNvGrpSpPr/>
+        <p:nvPr/>
+      </p:nvGrpSpPr>
+      <p:grpSpPr>
+        <a:xfrm>
+          <a:off x="0" y="0"/>
+          <a:ext cx="0" cy="0"/>
+          <a:chOff x="0" y="0"/>
+          <a:chExt cx="0" cy="0"/>
+        </a:xfrm>
+      </p:grpSpPr>
+      <p:sp>
+        <p:nvSpPr>
+          <p:cNvPr id="2" name="Title 1">
+            <a:extLst>
+              <a:ext uri="{FF2B5EF4-FFF2-40B4-BE49-F238E27FC236}">
+                <a16:creationId xmlns:a16="http://schemas.microsoft.com/office/drawing/2014/main" id="{AA569242-465F-672C-7D6A-2180962469CE}"/>
+              </a:ext>
+            </a:extLst>
+          </p:cNvPr>
+          <p:cNvSpPr>
+            <a:spLocks noGrp="1"/>
+          </p:cNvSpPr>
+          <p:nvPr>
+            <p:ph type="title"/>
+          </p:nvPr>
+        </p:nvSpPr>
+        <p:spPr/>
+        <p:txBody>
+          <a:bodyPr/>
+          <a:lstStyle/>
+          <a:p>
+            <a:r>
+              <a:rPr lang="en-US" dirty="0"/>
+              <a:t>Some of these mosaics look good</a:t>
+            </a:r>
+          </a:p>
+        </p:txBody>
+      </p:sp>
+      <p:sp>
+        <p:nvSpPr>
+          <p:cNvPr id="3" name="Content Placeholder 2">
+            <a:extLst>
+              <a:ext uri="{FF2B5EF4-FFF2-40B4-BE49-F238E27FC236}">
+                <a16:creationId xmlns:a16="http://schemas.microsoft.com/office/drawing/2014/main" id="{346D2ECF-5EA7-03DB-7629-58A65EDB0281}"/>
+              </a:ext>
+            </a:extLst>
+          </p:cNvPr>
+          <p:cNvSpPr>
+            <a:spLocks noGrp="1"/>
+          </p:cNvSpPr>
+          <p:nvPr>
+            <p:ph idx="1"/>
+          </p:nvPr>
+        </p:nvSpPr>
+        <p:spPr/>
+        <p:txBody>
+          <a:bodyPr/>
+          <a:lstStyle/>
+          <a:p>
+            <a:pPr marL="0" indent="0">
+              <a:buNone/>
+            </a:pPr>
+            <a:endParaRPr lang="en-US" dirty="0"/>
+          </a:p>
+        </p:txBody>
+      </p:sp>
+      <p:pic>
+        <p:nvPicPr>
+          <p:cNvPr id="5" name="Picture 4">
+            <a:extLst>
+              <a:ext uri="{FF2B5EF4-FFF2-40B4-BE49-F238E27FC236}">
+                <a16:creationId xmlns:a16="http://schemas.microsoft.com/office/drawing/2014/main" id="{546FE7D0-D005-B043-0550-3816C2CB3FAB}"/>
+              </a:ext>
+            </a:extLst>
+          </p:cNvPr>
+          <p:cNvPicPr>
+            <a:picLocks noChangeAspect="1"/>
+          </p:cNvPicPr>
+          <p:nvPr/>
+        </p:nvPicPr>
+        <p:blipFill>
+          <a:blip r:embed="rId2"/>
+          <a:stretch>
+            <a:fillRect/>
+          </a:stretch>
+        </p:blipFill>
+        <p:spPr>
+          <a:xfrm>
+            <a:off x="928389" y="1990164"/>
+            <a:ext cx="3713421" cy="3720353"/>
+          </a:xfrm>
+          <a:prstGeom prst="rect">
+            <a:avLst/>
+          </a:prstGeom>
+        </p:spPr>
+      </p:pic>
+      <p:pic>
+        <p:nvPicPr>
+          <p:cNvPr id="7" name="Picture 6">
+            <a:extLst>
+              <a:ext uri="{FF2B5EF4-FFF2-40B4-BE49-F238E27FC236}">
+                <a16:creationId xmlns:a16="http://schemas.microsoft.com/office/drawing/2014/main" id="{871149D2-AB60-980E-0331-21240A806BF1}"/>
+              </a:ext>
+            </a:extLst>
+          </p:cNvPr>
+          <p:cNvPicPr>
+            <a:picLocks noChangeAspect="1"/>
+          </p:cNvPicPr>
+          <p:nvPr/>
+        </p:nvPicPr>
+        <p:blipFill>
+          <a:blip r:embed="rId3"/>
+          <a:stretch>
+            <a:fillRect/>
+          </a:stretch>
+        </p:blipFill>
+        <p:spPr>
+          <a:xfrm>
+            <a:off x="6389897" y="1878104"/>
+            <a:ext cx="3924992" cy="3944471"/>
+          </a:xfrm>
+          <a:prstGeom prst="rect">
+            <a:avLst/>
+          </a:prstGeom>
+        </p:spPr>
+      </p:pic>
+    </p:spTree>
+    <p:extLst>
+      <p:ext uri="{BB962C8B-B14F-4D97-AF65-F5344CB8AC3E}">
+        <p14:creationId xmlns:p14="http://schemas.microsoft.com/office/powerpoint/2010/main" val="2337963367"/>
+      </p:ext>
+    </p:extLst>
+  </p:cSld>
+  <p:clrMapOvr>
+    <a:masterClrMapping/>
+  </p:clrMapOvr>
+</p:sld>
+</file>
+
+<file path=ppt/slides/slide16.xml><?xml version="1.0" encoding="utf-8"?>
+<p:sld xmlns:a="http://schemas.openxmlformats.org/drawingml/2006/main" xmlns:r="http://schemas.openxmlformats.org/officeDocument/2006/relationships" xmlns:p="http://schemas.openxmlformats.org/presentationml/2006/main">
+  <p:cSld>
+    <p:spTree>
+      <p:nvGrpSpPr>
+        <p:cNvPr id="1" name=""/>
+        <p:cNvGrpSpPr/>
+        <p:nvPr/>
+      </p:nvGrpSpPr>
+      <p:grpSpPr>
+        <a:xfrm>
+          <a:off x="0" y="0"/>
+          <a:ext cx="0" cy="0"/>
+          <a:chOff x="0" y="0"/>
+          <a:chExt cx="0" cy="0"/>
+        </a:xfrm>
+      </p:grpSpPr>
+      <p:sp>
+        <p:nvSpPr>
+          <p:cNvPr id="2" name="Title 1">
+            <a:extLst>
+              <a:ext uri="{FF2B5EF4-FFF2-40B4-BE49-F238E27FC236}">
+                <a16:creationId xmlns:a16="http://schemas.microsoft.com/office/drawing/2014/main" id="{2FBDA267-5D8B-57BA-361C-30A8B7280101}"/>
+              </a:ext>
+            </a:extLst>
+          </p:cNvPr>
+          <p:cNvSpPr>
+            <a:spLocks noGrp="1"/>
+          </p:cNvSpPr>
+          <p:nvPr>
+            <p:ph type="title"/>
+          </p:nvPr>
+        </p:nvSpPr>
+        <p:spPr/>
+        <p:txBody>
+          <a:bodyPr/>
+          <a:lstStyle/>
+          <a:p>
+            <a:r>
+              <a:rPr lang="en-US" dirty="0"/>
+              <a:t>Others… not so good</a:t>
+            </a:r>
+          </a:p>
+        </p:txBody>
+      </p:sp>
+      <p:sp>
+        <p:nvSpPr>
+          <p:cNvPr id="3" name="Content Placeholder 2">
+            <a:extLst>
+              <a:ext uri="{FF2B5EF4-FFF2-40B4-BE49-F238E27FC236}">
+                <a16:creationId xmlns:a16="http://schemas.microsoft.com/office/drawing/2014/main" id="{D86AF7D9-8D5C-6BE3-A94C-8BA1EA5A8CE0}"/>
+              </a:ext>
+            </a:extLst>
+          </p:cNvPr>
+          <p:cNvSpPr>
+            <a:spLocks noGrp="1"/>
+          </p:cNvSpPr>
+          <p:nvPr>
+            <p:ph idx="1"/>
+          </p:nvPr>
+        </p:nvSpPr>
+        <p:spPr/>
+        <p:txBody>
+          <a:bodyPr/>
+          <a:lstStyle/>
+          <a:p>
+            <a:endParaRPr lang="en-US" dirty="0"/>
+          </a:p>
+        </p:txBody>
+      </p:sp>
+      <p:pic>
+        <p:nvPicPr>
+          <p:cNvPr id="5" name="Picture 4">
+            <a:extLst>
+              <a:ext uri="{FF2B5EF4-FFF2-40B4-BE49-F238E27FC236}">
+                <a16:creationId xmlns:a16="http://schemas.microsoft.com/office/drawing/2014/main" id="{168C7943-B939-FC1D-E378-4D461E6CA9E1}"/>
+              </a:ext>
+            </a:extLst>
+          </p:cNvPr>
+          <p:cNvPicPr>
+            <a:picLocks noChangeAspect="1"/>
+          </p:cNvPicPr>
+          <p:nvPr/>
+        </p:nvPicPr>
+        <p:blipFill>
+          <a:blip r:embed="rId2"/>
+          <a:stretch>
+            <a:fillRect/>
+          </a:stretch>
+        </p:blipFill>
+        <p:spPr>
+          <a:xfrm>
+            <a:off x="537881" y="1994647"/>
+            <a:ext cx="3439603" cy="3429000"/>
+          </a:xfrm>
+          <a:prstGeom prst="rect">
+            <a:avLst/>
+          </a:prstGeom>
+        </p:spPr>
+      </p:pic>
+      <p:pic>
+        <p:nvPicPr>
+          <p:cNvPr id="7" name="Picture 6">
+            <a:extLst>
+              <a:ext uri="{FF2B5EF4-FFF2-40B4-BE49-F238E27FC236}">
+                <a16:creationId xmlns:a16="http://schemas.microsoft.com/office/drawing/2014/main" id="{8D24EDF2-D0D2-25BC-B3BC-E000EF190D08}"/>
+              </a:ext>
+            </a:extLst>
+          </p:cNvPr>
+          <p:cNvPicPr>
+            <a:picLocks noChangeAspect="1"/>
+          </p:cNvPicPr>
+          <p:nvPr/>
+        </p:nvPicPr>
+        <p:blipFill>
+          <a:blip r:embed="rId3"/>
+          <a:stretch>
+            <a:fillRect/>
+          </a:stretch>
+        </p:blipFill>
+        <p:spPr>
+          <a:xfrm>
+            <a:off x="4376198" y="1994647"/>
+            <a:ext cx="3439603" cy="3435341"/>
+          </a:xfrm>
+          <a:prstGeom prst="rect">
+            <a:avLst/>
+          </a:prstGeom>
+        </p:spPr>
+      </p:pic>
+      <p:pic>
+        <p:nvPicPr>
+          <p:cNvPr id="9" name="Picture 8">
+            <a:extLst>
+              <a:ext uri="{FF2B5EF4-FFF2-40B4-BE49-F238E27FC236}">
+                <a16:creationId xmlns:a16="http://schemas.microsoft.com/office/drawing/2014/main" id="{E82B7535-9FEC-5C71-07F5-BE553ACA3155}"/>
+              </a:ext>
+            </a:extLst>
+          </p:cNvPr>
+          <p:cNvPicPr>
+            <a:picLocks noChangeAspect="1"/>
+          </p:cNvPicPr>
+          <p:nvPr/>
+        </p:nvPicPr>
+        <p:blipFill>
+          <a:blip r:embed="rId4"/>
+          <a:stretch>
+            <a:fillRect/>
+          </a:stretch>
+        </p:blipFill>
+        <p:spPr>
+          <a:xfrm>
+            <a:off x="8214515" y="1987202"/>
+            <a:ext cx="3439603" cy="3443889"/>
+          </a:xfrm>
+          <a:prstGeom prst="rect">
+            <a:avLst/>
+          </a:prstGeom>
+        </p:spPr>
+      </p:pic>
+    </p:spTree>
+    <p:extLst>
+      <p:ext uri="{BB962C8B-B14F-4D97-AF65-F5344CB8AC3E}">
+        <p14:creationId xmlns:p14="http://schemas.microsoft.com/office/powerpoint/2010/main" val="2076941842"/>
       </p:ext>
     </p:extLst>
   </p:cSld>
@@ -3753,6 +4469,122 @@
           <p:cNvPr id="2" name="Title 1">
             <a:extLst>
               <a:ext uri="{FF2B5EF4-FFF2-40B4-BE49-F238E27FC236}">
+                <a16:creationId xmlns:a16="http://schemas.microsoft.com/office/drawing/2014/main" id="{352591A0-DACB-0B26-2FA6-621FAAD4017F}"/>
+              </a:ext>
+            </a:extLst>
+          </p:cNvPr>
+          <p:cNvSpPr>
+            <a:spLocks noGrp="1"/>
+          </p:cNvSpPr>
+          <p:nvPr>
+            <p:ph type="ctrTitle"/>
+          </p:nvPr>
+        </p:nvSpPr>
+        <p:spPr/>
+        <p:txBody>
+          <a:bodyPr/>
+          <a:lstStyle/>
+          <a:p>
+            <a:endParaRPr lang="en-US"/>
+          </a:p>
+        </p:txBody>
+      </p:sp>
+      <p:sp>
+        <p:nvSpPr>
+          <p:cNvPr id="3" name="Subtitle 2">
+            <a:extLst>
+              <a:ext uri="{FF2B5EF4-FFF2-40B4-BE49-F238E27FC236}">
+                <a16:creationId xmlns:a16="http://schemas.microsoft.com/office/drawing/2014/main" id="{F7C148C2-22CF-ECE1-FD5D-FA6BB3F1F1F7}"/>
+              </a:ext>
+            </a:extLst>
+          </p:cNvPr>
+          <p:cNvSpPr>
+            <a:spLocks noGrp="1"/>
+          </p:cNvSpPr>
+          <p:nvPr>
+            <p:ph type="subTitle" idx="1"/>
+          </p:nvPr>
+        </p:nvSpPr>
+        <p:spPr/>
+        <p:txBody>
+          <a:bodyPr/>
+          <a:lstStyle/>
+          <a:p>
+            <a:endParaRPr lang="en-US"/>
+          </a:p>
+        </p:txBody>
+      </p:sp>
+      <p:pic>
+        <p:nvPicPr>
+          <p:cNvPr id="4" name="Content Placeholder 4">
+            <a:extLst>
+              <a:ext uri="{FF2B5EF4-FFF2-40B4-BE49-F238E27FC236}">
+                <a16:creationId xmlns:a16="http://schemas.microsoft.com/office/drawing/2014/main" id="{FD9EDFAD-88B3-DCE0-430B-FBB7AA43DFE6}"/>
+              </a:ext>
+            </a:extLst>
+          </p:cNvPr>
+          <p:cNvPicPr>
+            <a:picLocks noChangeAspect="1"/>
+          </p:cNvPicPr>
+          <p:nvPr/>
+        </p:nvPicPr>
+        <p:blipFill>
+          <a:blip r:embed="rId2">
+            <a:extLst>
+              <a:ext uri="{28A0092B-C50C-407E-A947-70E740481C1C}">
+                <a14:useLocalDpi xmlns:a14="http://schemas.microsoft.com/office/drawing/2010/main" val="0"/>
+              </a:ext>
+            </a:extLst>
+          </a:blip>
+          <a:stretch>
+            <a:fillRect/>
+          </a:stretch>
+        </p:blipFill>
+        <p:spPr>
+          <a:xfrm>
+            <a:off x="2538740" y="771184"/>
+            <a:ext cx="7114519" cy="5315631"/>
+          </a:xfrm>
+          <a:prstGeom prst="rect">
+            <a:avLst/>
+          </a:prstGeom>
+        </p:spPr>
+      </p:pic>
+    </p:spTree>
+    <p:extLst>
+      <p:ext uri="{BB962C8B-B14F-4D97-AF65-F5344CB8AC3E}">
+        <p14:creationId xmlns:p14="http://schemas.microsoft.com/office/powerpoint/2010/main" val="2729668989"/>
+      </p:ext>
+    </p:extLst>
+  </p:cSld>
+  <p:clrMapOvr>
+    <a:masterClrMapping/>
+  </p:clrMapOvr>
+</p:sld>
+</file>
+
+<file path=ppt/slides/slide3.xml><?xml version="1.0" encoding="utf-8"?>
+<p:sld xmlns:a="http://schemas.openxmlformats.org/drawingml/2006/main" xmlns:r="http://schemas.openxmlformats.org/officeDocument/2006/relationships" xmlns:p="http://schemas.openxmlformats.org/presentationml/2006/main">
+  <p:cSld>
+    <p:spTree>
+      <p:nvGrpSpPr>
+        <p:cNvPr id="1" name=""/>
+        <p:cNvGrpSpPr/>
+        <p:nvPr/>
+      </p:nvGrpSpPr>
+      <p:grpSpPr>
+        <a:xfrm>
+          <a:off x="0" y="0"/>
+          <a:ext cx="0" cy="0"/>
+          <a:chOff x="0" y="0"/>
+          <a:chExt cx="0" cy="0"/>
+        </a:xfrm>
+      </p:grpSpPr>
+      <p:sp>
+        <p:nvSpPr>
+          <p:cNvPr id="2" name="Title 1">
+            <a:extLst>
+              <a:ext uri="{FF2B5EF4-FFF2-40B4-BE49-F238E27FC236}">
                 <a16:creationId xmlns:a16="http://schemas.microsoft.com/office/drawing/2014/main" id="{A0F82276-4CE3-365F-4D7A-46F1573B1BAE}"/>
               </a:ext>
             </a:extLst>
@@ -3994,7 +4826,7 @@
 </p:sld>
 </file>
 
-<file path=ppt/slides/slide3.xml><?xml version="1.0" encoding="utf-8"?>
+<file path=ppt/slides/slide4.xml><?xml version="1.0" encoding="utf-8"?>
 <p:sld xmlns:a="http://schemas.openxmlformats.org/drawingml/2006/main" xmlns:r="http://schemas.openxmlformats.org/officeDocument/2006/relationships" xmlns:p="http://schemas.openxmlformats.org/presentationml/2006/main">
   <p:cSld>
     <p:spTree>
@@ -4179,7 +5011,7 @@
 </p:sld>
 </file>
 
-<file path=ppt/slides/slide4.xml><?xml version="1.0" encoding="utf-8"?>
+<file path=ppt/slides/slide5.xml><?xml version="1.0" encoding="utf-8"?>
 <p:sld xmlns:a="http://schemas.openxmlformats.org/drawingml/2006/main" xmlns:r="http://schemas.openxmlformats.org/officeDocument/2006/relationships" xmlns:p="http://schemas.openxmlformats.org/presentationml/2006/main">
   <p:cSld>
     <p:spTree>
@@ -4292,7 +5124,7 @@
 </p:sld>
 </file>
 
-<file path=ppt/slides/slide5.xml><?xml version="1.0" encoding="utf-8"?>
+<file path=ppt/slides/slide6.xml><?xml version="1.0" encoding="utf-8"?>
 <p:sld xmlns:a="http://schemas.openxmlformats.org/drawingml/2006/main" xmlns:r="http://schemas.openxmlformats.org/officeDocument/2006/relationships" xmlns:p="http://schemas.openxmlformats.org/presentationml/2006/main">
   <p:cSld>
     <p:spTree>
@@ -4547,7 +5379,7 @@
 </p:sld>
 </file>
 
-<file path=ppt/slides/slide6.xml><?xml version="1.0" encoding="utf-8"?>
+<file path=ppt/slides/slide7.xml><?xml version="1.0" encoding="utf-8"?>
 <p:sld xmlns:a="http://schemas.openxmlformats.org/drawingml/2006/main" xmlns:r="http://schemas.openxmlformats.org/officeDocument/2006/relationships" xmlns:p="http://schemas.openxmlformats.org/presentationml/2006/main">
   <p:cSld>
     <p:spTree>
@@ -4657,7 +5489,7 @@
 </p:sld>
 </file>
 
-<file path=ppt/slides/slide7.xml><?xml version="1.0" encoding="utf-8"?>
+<file path=ppt/slides/slide8.xml><?xml version="1.0" encoding="utf-8"?>
 <p:sld xmlns:a="http://schemas.openxmlformats.org/drawingml/2006/main" xmlns:r="http://schemas.openxmlformats.org/officeDocument/2006/relationships" xmlns:p="http://schemas.openxmlformats.org/presentationml/2006/main">
   <p:cSld>
     <p:spTree>
@@ -4767,7 +5599,7 @@
 </p:sld>
 </file>
 
-<file path=ppt/slides/slide8.xml><?xml version="1.0" encoding="utf-8"?>
+<file path=ppt/slides/slide9.xml><?xml version="1.0" encoding="utf-8"?>
 <p:sld xmlns:a="http://schemas.openxmlformats.org/drawingml/2006/main" xmlns:r="http://schemas.openxmlformats.org/officeDocument/2006/relationships" xmlns:p="http://schemas.openxmlformats.org/presentationml/2006/main">
   <p:cSld>
     <p:spTree>
@@ -4868,116 +5700,6 @@
     <p:extLst>
       <p:ext uri="{BB962C8B-B14F-4D97-AF65-F5344CB8AC3E}">
         <p14:creationId xmlns:p14="http://schemas.microsoft.com/office/powerpoint/2010/main" val="3534522322"/>
-      </p:ext>
-    </p:extLst>
-  </p:cSld>
-  <p:clrMapOvr>
-    <a:masterClrMapping/>
-  </p:clrMapOvr>
-</p:sld>
-</file>
-
-<file path=ppt/slides/slide9.xml><?xml version="1.0" encoding="utf-8"?>
-<p:sld xmlns:a="http://schemas.openxmlformats.org/drawingml/2006/main" xmlns:r="http://schemas.openxmlformats.org/officeDocument/2006/relationships" xmlns:p="http://schemas.openxmlformats.org/presentationml/2006/main">
-  <p:cSld>
-    <p:spTree>
-      <p:nvGrpSpPr>
-        <p:cNvPr id="1" name=""/>
-        <p:cNvGrpSpPr/>
-        <p:nvPr/>
-      </p:nvGrpSpPr>
-      <p:grpSpPr>
-        <a:xfrm>
-          <a:off x="0" y="0"/>
-          <a:ext cx="0" cy="0"/>
-          <a:chOff x="0" y="0"/>
-          <a:chExt cx="0" cy="0"/>
-        </a:xfrm>
-      </p:grpSpPr>
-      <p:sp>
-        <p:nvSpPr>
-          <p:cNvPr id="2" name="Title 1">
-            <a:extLst>
-              <a:ext uri="{FF2B5EF4-FFF2-40B4-BE49-F238E27FC236}">
-                <a16:creationId xmlns:a16="http://schemas.microsoft.com/office/drawing/2014/main" id="{57CDC388-EDCA-C4E4-4622-EDB55B41A1B7}"/>
-              </a:ext>
-            </a:extLst>
-          </p:cNvPr>
-          <p:cNvSpPr>
-            <a:spLocks noGrp="1"/>
-          </p:cNvSpPr>
-          <p:nvPr>
-            <p:ph type="title"/>
-          </p:nvPr>
-        </p:nvSpPr>
-        <p:spPr/>
-        <p:txBody>
-          <a:bodyPr/>
-          <a:lstStyle/>
-          <a:p>
-            <a:endParaRPr lang="en-US"/>
-          </a:p>
-        </p:txBody>
-      </p:sp>
-      <p:sp>
-        <p:nvSpPr>
-          <p:cNvPr id="3" name="Content Placeholder 2">
-            <a:extLst>
-              <a:ext uri="{FF2B5EF4-FFF2-40B4-BE49-F238E27FC236}">
-                <a16:creationId xmlns:a16="http://schemas.microsoft.com/office/drawing/2014/main" id="{4F4321FD-3150-A12F-58A0-97ADD4179621}"/>
-              </a:ext>
-            </a:extLst>
-          </p:cNvPr>
-          <p:cNvSpPr>
-            <a:spLocks noGrp="1"/>
-          </p:cNvSpPr>
-          <p:nvPr>
-            <p:ph idx="1"/>
-          </p:nvPr>
-        </p:nvSpPr>
-        <p:spPr/>
-        <p:txBody>
-          <a:bodyPr/>
-          <a:lstStyle/>
-          <a:p>
-            <a:endParaRPr lang="en-US"/>
-          </a:p>
-        </p:txBody>
-      </p:sp>
-      <p:pic>
-        <p:nvPicPr>
-          <p:cNvPr id="5" name="Picture 4">
-            <a:extLst>
-              <a:ext uri="{FF2B5EF4-FFF2-40B4-BE49-F238E27FC236}">
-                <a16:creationId xmlns:a16="http://schemas.microsoft.com/office/drawing/2014/main" id="{88E5FD85-DF0D-C80C-CDE7-2DC54B16FD1E}"/>
-              </a:ext>
-            </a:extLst>
-          </p:cNvPr>
-          <p:cNvPicPr>
-            <a:picLocks noChangeAspect="1"/>
-          </p:cNvPicPr>
-          <p:nvPr/>
-        </p:nvPicPr>
-        <p:blipFill>
-          <a:blip r:embed="rId2"/>
-          <a:stretch>
-            <a:fillRect/>
-          </a:stretch>
-        </p:blipFill>
-        <p:spPr>
-          <a:xfrm>
-            <a:off x="127999" y="0"/>
-            <a:ext cx="11936002" cy="6858000"/>
-          </a:xfrm>
-          <a:prstGeom prst="rect">
-            <a:avLst/>
-          </a:prstGeom>
-        </p:spPr>
-      </p:pic>
-    </p:spTree>
-    <p:extLst>
-      <p:ext uri="{BB962C8B-B14F-4D97-AF65-F5344CB8AC3E}">
-        <p14:creationId xmlns:p14="http://schemas.microsoft.com/office/powerpoint/2010/main" val="369881152"/>
       </p:ext>
     </p:extLst>
   </p:cSld>
